--- a/Documentação/Status report.pptx
+++ b/Documentação/Status report.pptx
@@ -7,7 +7,7 @@
     <p:sldMasterId id="2147483674" r:id="rId3"/>
   </p:sldMasterIdLst>
   <p:notesMasterIdLst>
-    <p:notesMasterId r:id="rId14"/>
+    <p:notesMasterId r:id="rId15"/>
   </p:notesMasterIdLst>
   <p:sldIdLst>
     <p:sldId id="256" r:id="rId4"/>
@@ -20,6 +20,7 @@
     <p:sldId id="263" r:id="rId11"/>
     <p:sldId id="264" r:id="rId12"/>
     <p:sldId id="265" r:id="rId13"/>
+    <p:sldId id="266" r:id="rId14"/>
   </p:sldIdLst>
   <p:sldSz cx="13442950" cy="7561263"/>
   <p:notesSz cx="7104063" cy="10234613"/>
@@ -355,7 +356,7 @@
               <a:rPr lang="pt-BR" sz="1400" b="0" strike="noStrike" spc="-1">
                 <a:latin typeface="Times New Roman"/>
               </a:rPr>
-              <a:t>‹#›</a:t>
+              <a:t>‹nº›</a:t>
             </a:fld>
             <a:endParaRPr lang="pt-BR" sz="1400" b="0" strike="noStrike" spc="-1">
               <a:latin typeface="Times New Roman"/>
@@ -576,6 +577,133 @@
         </p:txBody>
       </p:sp>
     </p:spTree>
+  </p:cSld>
+  <p:clrMapOvr>
+    <a:masterClrMapping/>
+  </p:clrMapOvr>
+</p:notes>
+</file>
+
+<file path=ppt/notesSlides/notesSlide10.xml><?xml version="1.0" encoding="utf-8"?>
+<p:notes xmlns:a="http://schemas.openxmlformats.org/drawingml/2006/main" xmlns:r="http://schemas.openxmlformats.org/officeDocument/2006/relationships" xmlns:p="http://schemas.openxmlformats.org/presentationml/2006/main">
+  <p:cSld>
+    <p:spTree>
+      <p:nvGrpSpPr>
+        <p:cNvPr id="1" name=""/>
+        <p:cNvGrpSpPr/>
+        <p:nvPr/>
+      </p:nvGrpSpPr>
+      <p:grpSpPr>
+        <a:xfrm>
+          <a:off x="0" y="0"/>
+          <a:ext cx="0" cy="0"/>
+          <a:chOff x="0" y="0"/>
+          <a:chExt cx="0" cy="0"/>
+        </a:xfrm>
+      </p:grpSpPr>
+      <p:sp>
+        <p:nvSpPr>
+          <p:cNvPr id="276" name="PlaceHolder 1"/>
+          <p:cNvSpPr>
+            <a:spLocks noGrp="1" noRot="1" noChangeAspect="1"/>
+          </p:cNvSpPr>
+          <p:nvPr>
+            <p:ph type="sldImg"/>
+          </p:nvPr>
+        </p:nvSpPr>
+        <p:spPr>
+          <a:xfrm>
+            <a:off x="141288" y="768350"/>
+            <a:ext cx="6821487" cy="3836988"/>
+          </a:xfrm>
+          <a:prstGeom prst="rect">
+            <a:avLst/>
+          </a:prstGeom>
+        </p:spPr>
+      </p:sp>
+      <p:sp>
+        <p:nvSpPr>
+          <p:cNvPr id="277" name="PlaceHolder 2"/>
+          <p:cNvSpPr>
+            <a:spLocks noGrp="1"/>
+          </p:cNvSpPr>
+          <p:nvPr>
+            <p:ph type="body"/>
+          </p:nvPr>
+        </p:nvSpPr>
+        <p:spPr>
+          <a:xfrm>
+            <a:off x="710280" y="4861440"/>
+            <a:ext cx="5682960" cy="4605120"/>
+          </a:xfrm>
+          <a:prstGeom prst="rect">
+            <a:avLst/>
+          </a:prstGeom>
+        </p:spPr>
+        <p:txBody>
+          <a:bodyPr lIns="99000" tIns="49680" rIns="99000" bIns="49680">
+            <a:noAutofit/>
+          </a:bodyPr>
+          <a:lstStyle/>
+          <a:p>
+            <a:endParaRPr lang="pt-BR" sz="2000" b="0" strike="noStrike" spc="-1">
+              <a:latin typeface="Arial"/>
+            </a:endParaRPr>
+          </a:p>
+        </p:txBody>
+      </p:sp>
+      <p:sp>
+        <p:nvSpPr>
+          <p:cNvPr id="278" name="TextShape 3"/>
+          <p:cNvSpPr txBox="1"/>
+          <p:nvPr/>
+        </p:nvSpPr>
+        <p:spPr>
+          <a:xfrm>
+            <a:off x="4024080" y="9721080"/>
+            <a:ext cx="3078000" cy="511200"/>
+          </a:xfrm>
+          <a:prstGeom prst="rect">
+            <a:avLst/>
+          </a:prstGeom>
+          <a:noFill/>
+          <a:ln>
+            <a:noFill/>
+          </a:ln>
+        </p:spPr>
+        <p:txBody>
+          <a:bodyPr lIns="99000" tIns="49680" rIns="99000" bIns="49680" anchor="b">
+            <a:noAutofit/>
+          </a:bodyPr>
+          <a:lstStyle/>
+          <a:p>
+            <a:pPr algn="r">
+              <a:lnSpc>
+                <a:spcPct val="100000"/>
+              </a:lnSpc>
+            </a:pPr>
+            <a:fld id="{8E437E45-D4D4-4676-8DEF-059CA1EB127C}" type="slidenum">
+              <a:rPr lang="pt-BR" sz="1300" b="0" strike="noStrike" spc="-1">
+                <a:solidFill>
+                  <a:srgbClr val="000000"/>
+                </a:solidFill>
+                <a:latin typeface="+mn-lt"/>
+                <a:ea typeface="+mn-ea"/>
+              </a:rPr>
+              <a:t>11</a:t>
+            </a:fld>
+            <a:endParaRPr lang="pt-BR" sz="1300" b="0" strike="noStrike" spc="-1">
+              <a:latin typeface="Times New Roman"/>
+            </a:endParaRPr>
+          </a:p>
+        </p:txBody>
+      </p:sp>
+    </p:spTree>
+    <p:extLst>
+      <p:ext uri="{BB962C8B-B14F-4D97-AF65-F5344CB8AC3E}">
+        <p14:creationId xmlns:p14="http://schemas.microsoft.com/office/powerpoint/2010/main" val="2944600821"/>
+      </p:ext>
+    </p:extLst>
   </p:cSld>
   <p:clrMapOvr>
     <a:masterClrMapping/>
@@ -10075,7 +10203,7 @@
                 </a:solidFill>
                 <a:latin typeface="Simplon BP Regular"/>
               </a:rPr>
-              <a:t>‹#›</a:t>
+              <a:t>‹nº›</a:t>
             </a:fld>
             <a:endParaRPr lang="pt-BR" sz="1470" b="0" strike="noStrike" spc="-1">
               <a:latin typeface="Times New Roman"/>
@@ -12263,6 +12391,1744 @@
     <p:extLst>
       <p:ext uri="{BB962C8B-B14F-4D97-AF65-F5344CB8AC3E}">
         <p14:creationId xmlns:p14="http://schemas.microsoft.com/office/powerpoint/2010/main" val="1204765261"/>
+      </p:ext>
+    </p:extLst>
+  </p:cSld>
+  <p:clrMapOvr>
+    <a:masterClrMapping/>
+  </p:clrMapOvr>
+</p:sld>
+</file>
+
+<file path=ppt/slides/slide11.xml><?xml version="1.0" encoding="utf-8"?>
+<p:sld xmlns:a="http://schemas.openxmlformats.org/drawingml/2006/main" xmlns:r="http://schemas.openxmlformats.org/officeDocument/2006/relationships" xmlns:p="http://schemas.openxmlformats.org/presentationml/2006/main">
+  <p:cSld>
+    <p:spTree>
+      <p:nvGrpSpPr>
+        <p:cNvPr id="1" name=""/>
+        <p:cNvGrpSpPr/>
+        <p:nvPr/>
+      </p:nvGrpSpPr>
+      <p:grpSpPr>
+        <a:xfrm>
+          <a:off x="0" y="0"/>
+          <a:ext cx="0" cy="0"/>
+          <a:chOff x="0" y="0"/>
+          <a:chExt cx="0" cy="0"/>
+        </a:xfrm>
+      </p:grpSpPr>
+      <p:sp>
+        <p:nvSpPr>
+          <p:cNvPr id="236" name="CustomShape 1"/>
+          <p:cNvSpPr/>
+          <p:nvPr/>
+        </p:nvSpPr>
+        <p:spPr>
+          <a:xfrm>
+            <a:off x="6804720" y="1106640"/>
+            <a:ext cx="6209280" cy="2235600"/>
+          </a:xfrm>
+          <a:prstGeom prst="rect">
+            <a:avLst/>
+          </a:prstGeom>
+          <a:noFill/>
+          <a:ln w="12600">
+            <a:solidFill>
+              <a:schemeClr val="bg1">
+                <a:lumMod val="50000"/>
+              </a:schemeClr>
+            </a:solidFill>
+            <a:round/>
+          </a:ln>
+        </p:spPr>
+        <p:style>
+          <a:lnRef idx="2">
+            <a:schemeClr val="accent4"/>
+          </a:lnRef>
+          <a:fillRef idx="1">
+            <a:schemeClr val="lt1"/>
+          </a:fillRef>
+          <a:effectRef idx="0">
+            <a:schemeClr val="accent4"/>
+          </a:effectRef>
+          <a:fontRef idx="minor"/>
+        </p:style>
+      </p:sp>
+      <p:sp>
+        <p:nvSpPr>
+          <p:cNvPr id="237" name="TextShape 2"/>
+          <p:cNvSpPr txBox="1"/>
+          <p:nvPr/>
+        </p:nvSpPr>
+        <p:spPr>
+          <a:xfrm>
+            <a:off x="469800" y="185400"/>
+            <a:ext cx="12097800" cy="799920"/>
+          </a:xfrm>
+          <a:prstGeom prst="rect">
+            <a:avLst/>
+          </a:prstGeom>
+          <a:noFill/>
+          <a:ln>
+            <a:noFill/>
+          </a:ln>
+        </p:spPr>
+        <p:txBody>
+          <a:bodyPr lIns="105840" tIns="0" rIns="105840" bIns="0" anchor="t">
+            <a:noAutofit/>
+          </a:bodyPr>
+          <a:lstStyle/>
+          <a:p>
+            <a:pPr>
+              <a:spcAft>
+                <a:spcPts val="879"/>
+              </a:spcAft>
+            </a:pPr>
+            <a:r>
+              <a:rPr lang="en-US" sz="2650" b="0" strike="noStrike" spc="-1" dirty="0">
+                <a:solidFill>
+                  <a:srgbClr val="000000"/>
+                </a:solidFill>
+                <a:latin typeface="Simplon Oi Headline"/>
+              </a:rPr>
+              <a:t>SEMANA </a:t>
+            </a:r>
+            <a:r>
+              <a:rPr lang="en-US" sz="2650" spc="-1" dirty="0">
+                <a:solidFill>
+                  <a:srgbClr val="000000"/>
+                </a:solidFill>
+                <a:latin typeface="Simplon Oi Headline"/>
+              </a:rPr>
+              <a:t>8</a:t>
+            </a:r>
+            <a:r>
+              <a:rPr lang="pt-PT" sz="2650" spc="-1" dirty="0">
+                <a:solidFill>
+                  <a:srgbClr val="000000"/>
+                </a:solidFill>
+                <a:latin typeface="Simplon Oi Headline"/>
+              </a:rPr>
+              <a:t> </a:t>
+            </a:r>
+            <a:r>
+              <a:rPr lang="en-US" sz="2650" b="0" strike="noStrike" spc="-1" dirty="0">
+                <a:solidFill>
+                  <a:srgbClr val="000000"/>
+                </a:solidFill>
+                <a:latin typeface="Simplon Oi Headline"/>
+              </a:rPr>
+              <a:t>- </a:t>
+            </a:r>
+            <a:r>
+              <a:rPr lang="en-US" sz="2650" spc="-1" dirty="0" smtClean="0">
+                <a:solidFill>
+                  <a:srgbClr val="000000"/>
+                </a:solidFill>
+                <a:latin typeface="Simplon Oi Headline"/>
+              </a:rPr>
+              <a:t>06</a:t>
+            </a:r>
+            <a:r>
+              <a:rPr lang="en-US" sz="2650" spc="-1" dirty="0" smtClean="0">
+                <a:solidFill>
+                  <a:srgbClr val="000000"/>
+                </a:solidFill>
+                <a:latin typeface="Simplon Oi Headline"/>
+              </a:rPr>
+              <a:t>/10</a:t>
+            </a:r>
+            <a:r>
+              <a:rPr lang="en-US" sz="2650" b="0" strike="noStrike" spc="-1" dirty="0" smtClean="0">
+                <a:solidFill>
+                  <a:srgbClr val="000000"/>
+                </a:solidFill>
+                <a:latin typeface="Simplon Oi Headline"/>
+              </a:rPr>
+              <a:t>/2021</a:t>
+            </a:r>
+            <a:endParaRPr lang="pt-BR" sz="2650" b="0" strike="noStrike" spc="-1" dirty="0">
+              <a:solidFill>
+                <a:srgbClr val="000000"/>
+              </a:solidFill>
+              <a:latin typeface="Calibri"/>
+            </a:endParaRPr>
+          </a:p>
+        </p:txBody>
+      </p:sp>
+      <p:sp>
+        <p:nvSpPr>
+          <p:cNvPr id="238" name="CustomShape 3"/>
+          <p:cNvSpPr/>
+          <p:nvPr/>
+        </p:nvSpPr>
+        <p:spPr>
+          <a:xfrm>
+            <a:off x="512640" y="868320"/>
+            <a:ext cx="6186240" cy="237960"/>
+          </a:xfrm>
+          <a:prstGeom prst="rect">
+            <a:avLst/>
+          </a:prstGeom>
+          <a:solidFill>
+            <a:schemeClr val="bg1">
+              <a:lumMod val="85000"/>
+            </a:schemeClr>
+          </a:solidFill>
+          <a:ln>
+            <a:noFill/>
+          </a:ln>
+        </p:spPr>
+        <p:style>
+          <a:lnRef idx="0">
+            <a:scrgbClr r="0" g="0" b="0"/>
+          </a:lnRef>
+          <a:fillRef idx="0">
+            <a:scrgbClr r="0" g="0" b="0"/>
+          </a:fillRef>
+          <a:effectRef idx="0">
+            <a:scrgbClr r="0" g="0" b="0"/>
+          </a:effectRef>
+          <a:fontRef idx="minor"/>
+        </p:style>
+        <p:txBody>
+          <a:bodyPr lIns="134280" tIns="67320" rIns="134280" bIns="67320" anchor="ctr">
+            <a:noAutofit/>
+          </a:bodyPr>
+          <a:lstStyle/>
+          <a:p>
+            <a:pPr>
+              <a:lnSpc>
+                <a:spcPct val="100000"/>
+              </a:lnSpc>
+            </a:pPr>
+            <a:r>
+              <a:rPr lang="en-US" sz="1550" b="0" strike="noStrike" spc="-1" dirty="0">
+                <a:solidFill>
+                  <a:srgbClr val="000000"/>
+                </a:solidFill>
+                <a:latin typeface="Simplon Oi Headline"/>
+                <a:ea typeface="Simplon Oi Headline"/>
+              </a:rPr>
+              <a:t>PROGRESSOS</a:t>
+            </a:r>
+            <a:endParaRPr lang="pt-BR" sz="1550" b="0" strike="noStrike" spc="-1" dirty="0">
+              <a:latin typeface="Arial"/>
+            </a:endParaRPr>
+          </a:p>
+        </p:txBody>
+      </p:sp>
+      <p:sp>
+        <p:nvSpPr>
+          <p:cNvPr id="239" name="CustomShape 4"/>
+          <p:cNvSpPr/>
+          <p:nvPr/>
+        </p:nvSpPr>
+        <p:spPr>
+          <a:xfrm>
+            <a:off x="6814440" y="868320"/>
+            <a:ext cx="6194520" cy="237960"/>
+          </a:xfrm>
+          <a:prstGeom prst="rect">
+            <a:avLst/>
+          </a:prstGeom>
+          <a:solidFill>
+            <a:schemeClr val="bg1">
+              <a:lumMod val="85000"/>
+            </a:schemeClr>
+          </a:solidFill>
+          <a:ln>
+            <a:noFill/>
+          </a:ln>
+        </p:spPr>
+        <p:style>
+          <a:lnRef idx="0">
+            <a:scrgbClr r="0" g="0" b="0"/>
+          </a:lnRef>
+          <a:fillRef idx="0">
+            <a:scrgbClr r="0" g="0" b="0"/>
+          </a:fillRef>
+          <a:effectRef idx="0">
+            <a:scrgbClr r="0" g="0" b="0"/>
+          </a:effectRef>
+          <a:fontRef idx="minor"/>
+        </p:style>
+        <p:txBody>
+          <a:bodyPr lIns="134280" tIns="67320" rIns="134280" bIns="67320" anchor="ctr">
+            <a:noAutofit/>
+          </a:bodyPr>
+          <a:lstStyle/>
+          <a:p>
+            <a:pPr>
+              <a:lnSpc>
+                <a:spcPct val="100000"/>
+              </a:lnSpc>
+            </a:pPr>
+            <a:r>
+              <a:rPr lang="pt-BR" sz="1550" b="0" strike="noStrike" spc="-1" dirty="0">
+                <a:solidFill>
+                  <a:srgbClr val="000000"/>
+                </a:solidFill>
+                <a:latin typeface="Simplon Oi Headline"/>
+                <a:ea typeface="Simplon Oi Headline"/>
+              </a:rPr>
+              <a:t>Pontos atenção/ Principais Riscos</a:t>
+            </a:r>
+            <a:endParaRPr lang="pt-BR" sz="1550" b="0" strike="noStrike" spc="-1" dirty="0">
+              <a:latin typeface="Arial"/>
+            </a:endParaRPr>
+          </a:p>
+        </p:txBody>
+      </p:sp>
+      <p:sp>
+        <p:nvSpPr>
+          <p:cNvPr id="240" name="CustomShape 5"/>
+          <p:cNvSpPr/>
+          <p:nvPr/>
+        </p:nvSpPr>
+        <p:spPr>
+          <a:xfrm>
+            <a:off x="507600" y="3418920"/>
+            <a:ext cx="12505320" cy="237960"/>
+          </a:xfrm>
+          <a:prstGeom prst="rect">
+            <a:avLst/>
+          </a:prstGeom>
+          <a:solidFill>
+            <a:schemeClr val="bg1">
+              <a:lumMod val="85000"/>
+            </a:schemeClr>
+          </a:solidFill>
+          <a:ln>
+            <a:noFill/>
+          </a:ln>
+        </p:spPr>
+        <p:style>
+          <a:lnRef idx="0">
+            <a:scrgbClr r="0" g="0" b="0"/>
+          </a:lnRef>
+          <a:fillRef idx="0">
+            <a:scrgbClr r="0" g="0" b="0"/>
+          </a:fillRef>
+          <a:effectRef idx="0">
+            <a:scrgbClr r="0" g="0" b="0"/>
+          </a:effectRef>
+          <a:fontRef idx="minor"/>
+        </p:style>
+        <p:txBody>
+          <a:bodyPr lIns="134280" tIns="67320" rIns="134280" bIns="67320" anchor="ctr">
+            <a:noAutofit/>
+          </a:bodyPr>
+          <a:lstStyle/>
+          <a:p>
+            <a:pPr>
+              <a:lnSpc>
+                <a:spcPct val="100000"/>
+              </a:lnSpc>
+            </a:pPr>
+            <a:r>
+              <a:rPr lang="pt-BR" sz="1550" b="0" strike="noStrike" spc="-1" dirty="0">
+                <a:solidFill>
+                  <a:srgbClr val="000000"/>
+                </a:solidFill>
+                <a:latin typeface="Simplon Oi Headline"/>
+                <a:ea typeface="Simplon Oi Headline"/>
+              </a:rPr>
+              <a:t>Próximos Passos/ Decisões a tomar</a:t>
+            </a:r>
+            <a:endParaRPr lang="pt-BR" sz="1550" b="0" strike="noStrike" spc="-1" dirty="0">
+              <a:latin typeface="Arial"/>
+            </a:endParaRPr>
+          </a:p>
+        </p:txBody>
+      </p:sp>
+      <p:sp>
+        <p:nvSpPr>
+          <p:cNvPr id="241" name="CustomShape 6"/>
+          <p:cNvSpPr/>
+          <p:nvPr/>
+        </p:nvSpPr>
+        <p:spPr>
+          <a:xfrm>
+            <a:off x="492480" y="1106640"/>
+            <a:ext cx="3027960" cy="2235600"/>
+          </a:xfrm>
+          <a:prstGeom prst="rect">
+            <a:avLst/>
+          </a:prstGeom>
+          <a:noFill/>
+          <a:ln w="12600">
+            <a:solidFill>
+              <a:schemeClr val="bg1">
+                <a:lumMod val="50000"/>
+              </a:schemeClr>
+            </a:solidFill>
+            <a:round/>
+          </a:ln>
+        </p:spPr>
+        <p:style>
+          <a:lnRef idx="2">
+            <a:schemeClr val="accent4"/>
+          </a:lnRef>
+          <a:fillRef idx="1">
+            <a:schemeClr val="lt1"/>
+          </a:fillRef>
+          <a:effectRef idx="0">
+            <a:schemeClr val="accent4"/>
+          </a:effectRef>
+          <a:fontRef idx="minor"/>
+        </p:style>
+        <p:txBody>
+          <a:bodyPr lIns="90000" tIns="105840" rIns="90000" bIns="45000" anchor="t">
+            <a:noAutofit/>
+          </a:bodyPr>
+          <a:lstStyle/>
+          <a:p>
+            <a:pPr marL="251460" indent="-251460">
+              <a:buClr>
+                <a:srgbClr val="000000"/>
+              </a:buClr>
+              <a:buFont typeface="Wingdings" charset="2"/>
+              <a:buChar char=""/>
+            </a:pPr>
+            <a:r>
+              <a:rPr lang="pt-BR" sz="1300" b="1" spc="-1" dirty="0" smtClean="0">
+                <a:solidFill>
+                  <a:srgbClr val="000000"/>
+                </a:solidFill>
+                <a:latin typeface="Calibri"/>
+              </a:rPr>
+              <a:t>Protótipo  navegável 90%</a:t>
+            </a:r>
+            <a:endParaRPr lang="pt-BR" sz="1300" b="1" strike="noStrike" spc="-1" dirty="0">
+              <a:latin typeface="Calibri" panose="020F0502020204030204" pitchFamily="34" charset="0"/>
+              <a:cs typeface="Calibri" panose="020F0502020204030204" pitchFamily="34" charset="0"/>
+            </a:endParaRPr>
+          </a:p>
+          <a:p>
+            <a:pPr marL="251460" indent="-251460">
+              <a:buClr>
+                <a:srgbClr val="000000"/>
+              </a:buClr>
+              <a:buFont typeface="Wingdings" charset="2"/>
+              <a:buChar char=""/>
+            </a:pPr>
+            <a:r>
+              <a:rPr lang="pt-BR" sz="1300" b="1" spc="-1" dirty="0" smtClean="0">
+                <a:latin typeface="Calibri" panose="020F0502020204030204" pitchFamily="34" charset="0"/>
+                <a:cs typeface="Calibri" panose="020F0502020204030204" pitchFamily="34" charset="0"/>
+              </a:rPr>
+              <a:t>Termino do </a:t>
+            </a:r>
+            <a:r>
+              <a:rPr lang="pt-BR" sz="1300" b="1" spc="-1" dirty="0">
+                <a:latin typeface="Calibri" panose="020F0502020204030204" pitchFamily="34" charset="0"/>
+                <a:cs typeface="Calibri" panose="020F0502020204030204" pitchFamily="34" charset="0"/>
+              </a:rPr>
+              <a:t>script de bancos de dados</a:t>
+            </a:r>
+          </a:p>
+          <a:p>
+            <a:pPr marL="251460" indent="-251460">
+              <a:buClr>
+                <a:srgbClr val="000000"/>
+              </a:buClr>
+              <a:buFont typeface="Wingdings" charset="2"/>
+              <a:buChar char=""/>
+            </a:pPr>
+            <a:r>
+              <a:rPr lang="pt-BR" sz="1300" b="1" spc="-1" dirty="0" err="1" smtClean="0">
+                <a:latin typeface="Calibri" panose="020F0502020204030204" pitchFamily="34" charset="0"/>
+                <a:cs typeface="Calibri" panose="020F0502020204030204" pitchFamily="34" charset="0"/>
+              </a:rPr>
+              <a:t>Login</a:t>
+            </a:r>
+            <a:r>
+              <a:rPr lang="pt-BR" sz="1300" b="1" spc="-1" dirty="0" smtClean="0">
+                <a:latin typeface="Calibri" panose="020F0502020204030204" pitchFamily="34" charset="0"/>
+                <a:cs typeface="Calibri" panose="020F0502020204030204" pitchFamily="34" charset="0"/>
+              </a:rPr>
+              <a:t>/</a:t>
+            </a:r>
+            <a:r>
+              <a:rPr lang="pt-BR" sz="1300" b="1" spc="-1" dirty="0" err="1" smtClean="0">
+                <a:latin typeface="Calibri" panose="020F0502020204030204" pitchFamily="34" charset="0"/>
+                <a:cs typeface="Calibri" panose="020F0502020204030204" pitchFamily="34" charset="0"/>
+              </a:rPr>
+              <a:t>logof</a:t>
+            </a:r>
+            <a:r>
+              <a:rPr lang="pt-BR" sz="1300" b="1" spc="-1" dirty="0" smtClean="0">
+                <a:latin typeface="Calibri" panose="020F0502020204030204" pitchFamily="34" charset="0"/>
+                <a:cs typeface="Calibri" panose="020F0502020204030204" pitchFamily="34" charset="0"/>
+              </a:rPr>
+              <a:t> configurado para (ORM)</a:t>
+            </a:r>
+          </a:p>
+          <a:p>
+            <a:pPr marL="251460" indent="-251460">
+              <a:buClr>
+                <a:srgbClr val="000000"/>
+              </a:buClr>
+              <a:buFont typeface="Wingdings" charset="2"/>
+              <a:buChar char=""/>
+            </a:pPr>
+            <a:r>
+              <a:rPr lang="pt-BR" sz="1300" b="1" spc="-1" dirty="0" smtClean="0">
+                <a:latin typeface="Calibri" panose="020F0502020204030204" pitchFamily="34" charset="0"/>
+                <a:cs typeface="Calibri" panose="020F0502020204030204" pitchFamily="34" charset="0"/>
+              </a:rPr>
+              <a:t>Upgrade no protótipo </a:t>
+            </a:r>
+            <a:r>
+              <a:rPr lang="pt-BR" sz="1300" b="1" spc="-1" dirty="0" err="1" smtClean="0">
+                <a:latin typeface="Calibri" panose="020F0502020204030204" pitchFamily="34" charset="0"/>
+                <a:cs typeface="Calibri" panose="020F0502020204030204" pitchFamily="34" charset="0"/>
+              </a:rPr>
+              <a:t>figma</a:t>
+            </a:r>
+            <a:r>
+              <a:rPr lang="pt-BR" sz="1300" b="1" spc="-1" dirty="0" smtClean="0">
+                <a:latin typeface="Calibri" panose="020F0502020204030204" pitchFamily="34" charset="0"/>
+                <a:cs typeface="Calibri" panose="020F0502020204030204" pitchFamily="34" charset="0"/>
+              </a:rPr>
+              <a:t> </a:t>
+            </a:r>
+          </a:p>
+          <a:p>
+            <a:pPr marL="251460" indent="-251460">
+              <a:buClr>
+                <a:srgbClr val="000000"/>
+              </a:buClr>
+              <a:buFont typeface="Wingdings" charset="2"/>
+              <a:buChar char=""/>
+            </a:pPr>
+            <a:r>
+              <a:rPr lang="pt-BR" sz="1300" b="1" spc="-1" dirty="0" smtClean="0">
+                <a:latin typeface="Calibri" panose="020F0502020204030204" pitchFamily="34" charset="0"/>
+                <a:cs typeface="Calibri" panose="020F0502020204030204" pitchFamily="34" charset="0"/>
+              </a:rPr>
+              <a:t>Inicio do Back </a:t>
+            </a:r>
+            <a:r>
+              <a:rPr lang="pt-BR" sz="1300" b="1" spc="-1" dirty="0" err="1" smtClean="0">
+                <a:latin typeface="Calibri" panose="020F0502020204030204" pitchFamily="34" charset="0"/>
+                <a:cs typeface="Calibri" panose="020F0502020204030204" pitchFamily="34" charset="0"/>
+              </a:rPr>
+              <a:t>end</a:t>
+            </a:r>
+            <a:endParaRPr lang="pt-BR" sz="1300" b="1" spc="-1" dirty="0" smtClean="0">
+              <a:latin typeface="Calibri" panose="020F0502020204030204" pitchFamily="34" charset="0"/>
+              <a:cs typeface="Calibri" panose="020F0502020204030204" pitchFamily="34" charset="0"/>
+            </a:endParaRPr>
+          </a:p>
+          <a:p>
+            <a:pPr marL="251460" indent="-251460">
+              <a:buClr>
+                <a:srgbClr val="000000"/>
+              </a:buClr>
+              <a:buFont typeface="Wingdings" charset="2"/>
+              <a:buChar char=""/>
+            </a:pPr>
+            <a:r>
+              <a:rPr lang="pt-BR" sz="1300" b="1" spc="-1" dirty="0" smtClean="0">
+                <a:latin typeface="Calibri" panose="020F0502020204030204" pitchFamily="34" charset="0"/>
+                <a:cs typeface="Calibri" panose="020F0502020204030204" pitchFamily="34" charset="0"/>
+              </a:rPr>
+              <a:t>Padrão de projeto definido</a:t>
+            </a:r>
+          </a:p>
+          <a:p>
+            <a:pPr marL="251460" indent="-251460">
+              <a:buClr>
+                <a:srgbClr val="000000"/>
+              </a:buClr>
+              <a:buFont typeface="Wingdings" charset="2"/>
+              <a:buChar char=""/>
+            </a:pPr>
+            <a:r>
+              <a:rPr lang="pt-BR" sz="1300" b="1" spc="-1" dirty="0" smtClean="0">
+                <a:latin typeface="Calibri" panose="020F0502020204030204" pitchFamily="34" charset="0"/>
+                <a:cs typeface="Calibri" panose="020F0502020204030204" pitchFamily="34" charset="0"/>
+              </a:rPr>
+              <a:t>Definição dos preços</a:t>
+            </a:r>
+            <a:endParaRPr lang="pt-BR" sz="1300" b="1" spc="-1" dirty="0" smtClean="0">
+              <a:latin typeface="Calibri" panose="020F0502020204030204" pitchFamily="34" charset="0"/>
+              <a:cs typeface="Calibri" panose="020F0502020204030204" pitchFamily="34" charset="0"/>
+            </a:endParaRPr>
+          </a:p>
+          <a:p>
+            <a:pPr marL="251460" indent="-251460">
+              <a:buClr>
+                <a:srgbClr val="000000"/>
+              </a:buClr>
+              <a:buFont typeface="Wingdings" charset="2"/>
+              <a:buChar char=""/>
+            </a:pPr>
+            <a:r>
+              <a:rPr lang="pt-BR" sz="1300" b="1" spc="-1" dirty="0" smtClean="0">
+                <a:latin typeface="Calibri" panose="020F0502020204030204" pitchFamily="34" charset="0"/>
+                <a:cs typeface="Calibri" panose="020F0502020204030204" pitchFamily="34" charset="0"/>
+              </a:rPr>
+              <a:t>Tela de contato no </a:t>
+            </a:r>
+            <a:r>
+              <a:rPr lang="pt-BR" sz="1300" b="1" spc="-1" dirty="0" err="1" smtClean="0">
+                <a:latin typeface="Calibri" panose="020F0502020204030204" pitchFamily="34" charset="0"/>
+                <a:cs typeface="Calibri" panose="020F0502020204030204" pitchFamily="34" charset="0"/>
+              </a:rPr>
+              <a:t>figma</a:t>
+            </a:r>
+            <a:endParaRPr lang="pt-BR" sz="1300" b="1" spc="-1" dirty="0">
+              <a:latin typeface="Calibri" panose="020F0502020204030204" pitchFamily="34" charset="0"/>
+              <a:cs typeface="Calibri" panose="020F0502020204030204" pitchFamily="34" charset="0"/>
+            </a:endParaRPr>
+          </a:p>
+          <a:p>
+            <a:pPr marL="251460" indent="-251460">
+              <a:buClr>
+                <a:srgbClr val="000000"/>
+              </a:buClr>
+              <a:buFont typeface="Wingdings" charset="2"/>
+              <a:buChar char=""/>
+            </a:pPr>
+            <a:endParaRPr lang="pt-BR" sz="1300" spc="-1" dirty="0">
+              <a:latin typeface="Arial"/>
+              <a:cs typeface="Arial"/>
+            </a:endParaRPr>
+          </a:p>
+          <a:p>
+            <a:pPr>
+              <a:buClr>
+                <a:srgbClr val="000000"/>
+              </a:buClr>
+            </a:pPr>
+            <a:endParaRPr lang="pt-BR" sz="1300" spc="-1" dirty="0">
+              <a:latin typeface="Arial"/>
+            </a:endParaRPr>
+          </a:p>
+        </p:txBody>
+      </p:sp>
+      <p:graphicFrame>
+        <p:nvGraphicFramePr>
+          <p:cNvPr id="242" name="Table 7"/>
+          <p:cNvGraphicFramePr/>
+          <p:nvPr>
+            <p:extLst>
+              <p:ext uri="{D42A27DB-BD31-4B8C-83A1-F6EECF244321}">
+                <p14:modId xmlns:p14="http://schemas.microsoft.com/office/powerpoint/2010/main" val="836061001"/>
+              </p:ext>
+            </p:extLst>
+          </p:nvPr>
+        </p:nvGraphicFramePr>
+        <p:xfrm>
+          <a:off x="512640" y="3728160"/>
+          <a:ext cx="12495600" cy="3510840"/>
+        </p:xfrm>
+        <a:graphic>
+          <a:graphicData uri="http://schemas.openxmlformats.org/drawingml/2006/table">
+            <a:tbl>
+              <a:tblPr/>
+              <a:tblGrid>
+                <a:gridCol w="4165200">
+                  <a:extLst>
+                    <a:ext uri="{9D8B030D-6E8A-4147-A177-3AD203B41FA5}">
+                      <a16:colId xmlns:a16="http://schemas.microsoft.com/office/drawing/2014/main" val="20000"/>
+                    </a:ext>
+                  </a:extLst>
+                </a:gridCol>
+                <a:gridCol w="4165200">
+                  <a:extLst>
+                    <a:ext uri="{9D8B030D-6E8A-4147-A177-3AD203B41FA5}">
+                      <a16:colId xmlns:a16="http://schemas.microsoft.com/office/drawing/2014/main" val="20001"/>
+                    </a:ext>
+                  </a:extLst>
+                </a:gridCol>
+                <a:gridCol w="4165200">
+                  <a:extLst>
+                    <a:ext uri="{9D8B030D-6E8A-4147-A177-3AD203B41FA5}">
+                      <a16:colId xmlns:a16="http://schemas.microsoft.com/office/drawing/2014/main" val="20002"/>
+                    </a:ext>
+                  </a:extLst>
+                </a:gridCol>
+              </a:tblGrid>
+              <a:tr h="3510840">
+                <a:tc>
+                  <a:txBody>
+                    <a:bodyPr/>
+                    <a:lstStyle/>
+                    <a:p>
+                      <a:pPr>
+                        <a:lnSpc>
+                          <a:spcPct val="100000"/>
+                        </a:lnSpc>
+                      </a:pPr>
+                      <a:endParaRPr lang="pt-BR" sz="2400" b="0" strike="noStrike" spc="-1" dirty="0">
+                        <a:latin typeface="Times New Roman"/>
+                      </a:endParaRPr>
+                    </a:p>
+                    <a:p>
+                      <a:pPr>
+                        <a:lnSpc>
+                          <a:spcPct val="100000"/>
+                        </a:lnSpc>
+                      </a:pPr>
+                      <a:r>
+                        <a:rPr lang="pt-BR" sz="1400" b="1" strike="noStrike" spc="-1" dirty="0">
+                          <a:solidFill>
+                            <a:srgbClr val="000000"/>
+                          </a:solidFill>
+                          <a:latin typeface="Calibri"/>
+                        </a:rPr>
+                        <a:t>Frente Negócios</a:t>
+                      </a:r>
+                      <a:endParaRPr lang="pt-BR" sz="1400" b="0" strike="noStrike" spc="-1" dirty="0">
+                        <a:latin typeface="Times New Roman"/>
+                      </a:endParaRPr>
+                    </a:p>
+                  </a:txBody>
+                  <a:tcPr>
+                    <a:noFill/>
+                  </a:tcPr>
+                </a:tc>
+                <a:tc>
+                  <a:txBody>
+                    <a:bodyPr/>
+                    <a:lstStyle/>
+                    <a:p>
+                      <a:pPr marL="0" lvl="1" indent="0">
+                        <a:lnSpc>
+                          <a:spcPct val="100000"/>
+                        </a:lnSpc>
+                        <a:buClr>
+                          <a:srgbClr val="000000"/>
+                        </a:buClr>
+                        <a:buNone/>
+                      </a:pPr>
+                      <a:endParaRPr lang="pt-BR" sz="1400" b="1" strike="noStrike" spc="-1" dirty="0">
+                        <a:solidFill>
+                          <a:srgbClr val="000000"/>
+                        </a:solidFill>
+                        <a:latin typeface="Calibri"/>
+                      </a:endParaRPr>
+                    </a:p>
+                    <a:p>
+                      <a:pPr marL="251460" lvl="1" indent="-251460">
+                        <a:lnSpc>
+                          <a:spcPct val="100000"/>
+                        </a:lnSpc>
+                        <a:buClr>
+                          <a:srgbClr val="000000"/>
+                        </a:buClr>
+                        <a:buFont typeface="Wingdings" charset="2"/>
+                        <a:buChar char=""/>
+                      </a:pPr>
+                      <a:r>
+                        <a:rPr lang="pt-BR" sz="1400" b="1" strike="noStrike" spc="-1" dirty="0" smtClean="0">
+                          <a:solidFill>
+                            <a:srgbClr val="000000"/>
+                          </a:solidFill>
+                          <a:latin typeface="Calibri"/>
+                        </a:rPr>
+                        <a:t>Guia</a:t>
+                      </a:r>
+                      <a:r>
+                        <a:rPr lang="pt-BR" sz="1400" b="1" strike="noStrike" spc="-1" baseline="0" dirty="0" smtClean="0">
+                          <a:solidFill>
+                            <a:srgbClr val="000000"/>
+                          </a:solidFill>
+                          <a:latin typeface="Calibri"/>
+                        </a:rPr>
+                        <a:t> de arquitetura</a:t>
+                      </a:r>
+                      <a:endParaRPr lang="pt-BR" sz="1400" b="1" strike="noStrike" spc="-1" baseline="0" dirty="0">
+                        <a:solidFill>
+                          <a:srgbClr val="000000"/>
+                        </a:solidFill>
+                        <a:latin typeface="Calibri"/>
+                      </a:endParaRPr>
+                    </a:p>
+                    <a:p>
+                      <a:pPr marL="251460" lvl="1" indent="-251460">
+                        <a:lnSpc>
+                          <a:spcPct val="100000"/>
+                        </a:lnSpc>
+                        <a:buClr>
+                          <a:srgbClr val="000000"/>
+                        </a:buClr>
+                        <a:buFont typeface="Wingdings" charset="2"/>
+                        <a:buChar char=""/>
+                      </a:pPr>
+                      <a:r>
+                        <a:rPr lang="pt-BR" sz="1400" b="1" strike="noStrike" spc="-1" baseline="0" dirty="0" smtClean="0">
+                          <a:solidFill>
+                            <a:srgbClr val="000000"/>
+                          </a:solidFill>
+                          <a:latin typeface="Calibri"/>
+                        </a:rPr>
+                        <a:t>Relação entre classes no Back-</a:t>
+                      </a:r>
+                      <a:r>
+                        <a:rPr lang="pt-BR" sz="1400" b="1" strike="noStrike" spc="-1" baseline="0" dirty="0" err="1" smtClean="0">
+                          <a:solidFill>
+                            <a:srgbClr val="000000"/>
+                          </a:solidFill>
+                          <a:latin typeface="Calibri"/>
+                        </a:rPr>
+                        <a:t>end</a:t>
+                      </a:r>
+                      <a:endParaRPr lang="pt-BR" sz="1400" b="1" strike="noStrike" spc="-1" baseline="0" dirty="0" smtClean="0">
+                        <a:solidFill>
+                          <a:srgbClr val="000000"/>
+                        </a:solidFill>
+                        <a:latin typeface="Calibri"/>
+                      </a:endParaRPr>
+                    </a:p>
+                    <a:p>
+                      <a:pPr marL="251460" marR="0" lvl="1" indent="-251460" algn="l" defTabSz="914400" rtl="0" eaLnBrk="1" fontAlgn="auto" latinLnBrk="0" hangingPunct="1">
+                        <a:lnSpc>
+                          <a:spcPct val="100000"/>
+                        </a:lnSpc>
+                        <a:spcBef>
+                          <a:spcPts val="0"/>
+                        </a:spcBef>
+                        <a:spcAft>
+                          <a:spcPts val="0"/>
+                        </a:spcAft>
+                        <a:buClr>
+                          <a:srgbClr val="000000"/>
+                        </a:buClr>
+                        <a:buSzTx/>
+                        <a:buFont typeface="Wingdings" charset="2"/>
+                        <a:buChar char=""/>
+                        <a:tabLst/>
+                        <a:defRPr/>
+                      </a:pPr>
+                      <a:r>
+                        <a:rPr lang="pt-BR" sz="1400" b="1" strike="noStrike" spc="-1" dirty="0" smtClean="0">
+                          <a:latin typeface="Calibri" panose="020F0502020204030204" pitchFamily="34" charset="0"/>
+                          <a:cs typeface="Calibri" panose="020F0502020204030204" pitchFamily="34" charset="0"/>
+                        </a:rPr>
+                        <a:t>Telas da</a:t>
+                      </a:r>
+                      <a:r>
+                        <a:rPr lang="pt-BR" sz="1400" b="1" strike="noStrike" spc="-1" baseline="0" dirty="0" smtClean="0">
+                          <a:latin typeface="Calibri" panose="020F0502020204030204" pitchFamily="34" charset="0"/>
+                          <a:cs typeface="Calibri" panose="020F0502020204030204" pitchFamily="34" charset="0"/>
+                        </a:rPr>
+                        <a:t> aplicação em </a:t>
+                      </a:r>
+                      <a:r>
+                        <a:rPr lang="pt-BR" sz="1400" b="1" strike="noStrike" spc="-1" baseline="0" dirty="0" err="1" smtClean="0">
+                          <a:latin typeface="Calibri" panose="020F0502020204030204" pitchFamily="34" charset="0"/>
+                          <a:cs typeface="Calibri" panose="020F0502020204030204" pitchFamily="34" charset="0"/>
+                        </a:rPr>
+                        <a:t>ReactJS</a:t>
+                      </a:r>
+                      <a:endParaRPr lang="pt-BR" sz="1400" b="1" strike="noStrike" spc="-1" dirty="0" smtClean="0">
+                        <a:latin typeface="Calibri" panose="020F0502020204030204" pitchFamily="34" charset="0"/>
+                        <a:cs typeface="Calibri" panose="020F0502020204030204" pitchFamily="34" charset="0"/>
+                      </a:endParaRPr>
+                    </a:p>
+                    <a:p>
+                      <a:pPr marL="251460" lvl="1" indent="-251460">
+                        <a:lnSpc>
+                          <a:spcPct val="100000"/>
+                        </a:lnSpc>
+                        <a:buClr>
+                          <a:srgbClr val="000000"/>
+                        </a:buClr>
+                        <a:buFont typeface="Wingdings" charset="2"/>
+                        <a:buChar char=""/>
+                      </a:pPr>
+                      <a:r>
+                        <a:rPr lang="pt-BR" sz="1400" b="1" strike="noStrike" spc="-1" dirty="0" smtClean="0">
+                          <a:solidFill>
+                            <a:srgbClr val="000000"/>
+                          </a:solidFill>
+                          <a:latin typeface="Calibri"/>
+                        </a:rPr>
+                        <a:t>Ultimas</a:t>
+                      </a:r>
+                      <a:r>
+                        <a:rPr lang="pt-BR" sz="1400" b="1" strike="noStrike" spc="-1" baseline="0" dirty="0" smtClean="0">
+                          <a:solidFill>
+                            <a:srgbClr val="000000"/>
+                          </a:solidFill>
+                          <a:latin typeface="Calibri"/>
+                        </a:rPr>
+                        <a:t> ajustes no </a:t>
+                      </a:r>
+                      <a:r>
+                        <a:rPr lang="pt-BR" sz="1400" b="1" strike="noStrike" spc="-1" baseline="0" dirty="0" err="1" smtClean="0">
+                          <a:solidFill>
+                            <a:srgbClr val="000000"/>
+                          </a:solidFill>
+                          <a:latin typeface="Calibri"/>
+                        </a:rPr>
+                        <a:t>figma</a:t>
+                      </a:r>
+                      <a:r>
+                        <a:rPr lang="pt-BR" sz="1400" b="1" strike="noStrike" spc="-1" baseline="0" dirty="0" smtClean="0">
+                          <a:solidFill>
+                            <a:srgbClr val="000000"/>
+                          </a:solidFill>
+                          <a:latin typeface="Calibri"/>
+                        </a:rPr>
+                        <a:t> </a:t>
+                      </a:r>
+                    </a:p>
+                    <a:p>
+                      <a:pPr marL="251460" lvl="1" indent="-251460">
+                        <a:lnSpc>
+                          <a:spcPct val="100000"/>
+                        </a:lnSpc>
+                        <a:buClr>
+                          <a:srgbClr val="000000"/>
+                        </a:buClr>
+                        <a:buFont typeface="Wingdings" charset="2"/>
+                        <a:buChar char=""/>
+                      </a:pPr>
+                      <a:r>
+                        <a:rPr lang="pt-BR" sz="1400" b="1" strike="noStrike" spc="-1" baseline="0" dirty="0" err="1" smtClean="0">
+                          <a:solidFill>
+                            <a:srgbClr val="000000"/>
+                          </a:solidFill>
+                          <a:latin typeface="Calibri"/>
+                        </a:rPr>
+                        <a:t>Ultimos</a:t>
+                      </a:r>
+                      <a:r>
+                        <a:rPr lang="pt-BR" sz="1400" b="1" strike="noStrike" spc="-1" baseline="0" dirty="0" smtClean="0">
+                          <a:solidFill>
+                            <a:srgbClr val="000000"/>
+                          </a:solidFill>
+                          <a:latin typeface="Calibri"/>
+                        </a:rPr>
+                        <a:t> ajustes no Banco de Dados</a:t>
+                      </a:r>
+                    </a:p>
+                    <a:p>
+                      <a:pPr marL="251460" lvl="1" indent="-251460">
+                        <a:lnSpc>
+                          <a:spcPct val="100000"/>
+                        </a:lnSpc>
+                        <a:buClr>
+                          <a:srgbClr val="000000"/>
+                        </a:buClr>
+                        <a:buFont typeface="Wingdings" charset="2"/>
+                        <a:buChar char=""/>
+                      </a:pPr>
+                      <a:r>
+                        <a:rPr lang="pt-BR" sz="1400" b="1" strike="noStrike" spc="-1" baseline="0" dirty="0" err="1" smtClean="0">
+                          <a:solidFill>
+                            <a:srgbClr val="000000"/>
+                          </a:solidFill>
+                          <a:latin typeface="Calibri"/>
+                        </a:rPr>
+                        <a:t>Gantt</a:t>
+                      </a:r>
+                      <a:r>
+                        <a:rPr lang="pt-BR" sz="1400" b="1" strike="noStrike" spc="-1" baseline="0" dirty="0" smtClean="0">
+                          <a:solidFill>
+                            <a:srgbClr val="000000"/>
+                          </a:solidFill>
+                          <a:latin typeface="Calibri"/>
+                        </a:rPr>
+                        <a:t> automático</a:t>
+                      </a:r>
+                    </a:p>
+                    <a:p>
+                      <a:pPr marL="251460" lvl="1" indent="-251460">
+                        <a:lnSpc>
+                          <a:spcPct val="100000"/>
+                        </a:lnSpc>
+                        <a:buClr>
+                          <a:srgbClr val="000000"/>
+                        </a:buClr>
+                        <a:buFont typeface="Wingdings" charset="2"/>
+                        <a:buChar char=""/>
+                      </a:pPr>
+                      <a:r>
+                        <a:rPr lang="pt-BR" sz="1400" b="1" strike="noStrike" spc="-1" baseline="0" dirty="0" smtClean="0">
+                          <a:solidFill>
+                            <a:srgbClr val="000000"/>
+                          </a:solidFill>
+                          <a:latin typeface="Calibri"/>
+                        </a:rPr>
+                        <a:t>Diagrama de solução(Gerson)</a:t>
+                      </a:r>
+                      <a:endParaRPr lang="pt-BR" sz="1400" b="1" strike="noStrike" spc="-1" dirty="0">
+                        <a:solidFill>
+                          <a:srgbClr val="000000"/>
+                        </a:solidFill>
+                        <a:latin typeface="Calibri"/>
+                      </a:endParaRPr>
+                    </a:p>
+                  </a:txBody>
+                  <a:tcPr>
+                    <a:noFill/>
+                  </a:tcPr>
+                </a:tc>
+                <a:tc>
+                  <a:txBody>
+                    <a:bodyPr/>
+                    <a:lstStyle/>
+                    <a:p>
+                      <a:pPr marL="251460" lvl="1" indent="-251460">
+                        <a:lnSpc>
+                          <a:spcPct val="100000"/>
+                        </a:lnSpc>
+                        <a:buClr>
+                          <a:srgbClr val="000000"/>
+                        </a:buClr>
+                        <a:buFont typeface="Wingdings" charset="2"/>
+                        <a:buChar char=""/>
+                      </a:pPr>
+                      <a:endParaRPr lang="pt-BR" sz="1400" b="0" strike="noStrike" spc="-1" dirty="0">
+                        <a:latin typeface="Calibri" panose="020F0502020204030204" pitchFamily="34" charset="0"/>
+                        <a:cs typeface="Calibri" panose="020F0502020204030204" pitchFamily="34" charset="0"/>
+                      </a:endParaRPr>
+                    </a:p>
+                  </a:txBody>
+                  <a:tcPr>
+                    <a:noFill/>
+                  </a:tcPr>
+                </a:tc>
+                <a:extLst>
+                  <a:ext uri="{0D108BD9-81ED-4DB2-BD59-A6C34878D82A}">
+                    <a16:rowId xmlns:a16="http://schemas.microsoft.com/office/drawing/2014/main" val="10000"/>
+                  </a:ext>
+                </a:extLst>
+              </a:tr>
+            </a:tbl>
+          </a:graphicData>
+        </a:graphic>
+      </p:graphicFrame>
+      <p:sp>
+        <p:nvSpPr>
+          <p:cNvPr id="243" name="CustomShape 8"/>
+          <p:cNvSpPr/>
+          <p:nvPr/>
+        </p:nvSpPr>
+        <p:spPr>
+          <a:xfrm>
+            <a:off x="11822760" y="576360"/>
+            <a:ext cx="899280" cy="179640"/>
+          </a:xfrm>
+          <a:prstGeom prst="rect">
+            <a:avLst/>
+          </a:prstGeom>
+          <a:noFill/>
+          <a:ln w="12600">
+            <a:noFill/>
+          </a:ln>
+        </p:spPr>
+        <p:style>
+          <a:lnRef idx="2">
+            <a:schemeClr val="accent4"/>
+          </a:lnRef>
+          <a:fillRef idx="1">
+            <a:schemeClr val="lt1"/>
+          </a:fillRef>
+          <a:effectRef idx="0">
+            <a:schemeClr val="accent4"/>
+          </a:effectRef>
+          <a:fontRef idx="minor"/>
+        </p:style>
+        <p:txBody>
+          <a:bodyPr wrap="none" lIns="52920" tIns="52920" rIns="52920" bIns="0" anchor="b">
+            <a:noAutofit/>
+          </a:bodyPr>
+          <a:lstStyle/>
+          <a:p>
+            <a:pPr algn="ctr">
+              <a:lnSpc>
+                <a:spcPct val="100000"/>
+              </a:lnSpc>
+            </a:pPr>
+            <a:r>
+              <a:rPr lang="pt-BR" sz="1180" b="0" strike="noStrike" spc="-1" dirty="0">
+                <a:solidFill>
+                  <a:srgbClr val="000000"/>
+                </a:solidFill>
+                <a:latin typeface="Simplon BP Bold"/>
+              </a:rPr>
+              <a:t>Negócios</a:t>
+            </a:r>
+            <a:endParaRPr lang="pt-BR" sz="1180" b="0" strike="noStrike" spc="-1" dirty="0">
+              <a:latin typeface="Arial"/>
+            </a:endParaRPr>
+          </a:p>
+        </p:txBody>
+      </p:sp>
+      <p:sp>
+        <p:nvSpPr>
+          <p:cNvPr id="244" name="CustomShape 9"/>
+          <p:cNvSpPr/>
+          <p:nvPr/>
+        </p:nvSpPr>
+        <p:spPr>
+          <a:xfrm>
+            <a:off x="11193840" y="298080"/>
+            <a:ext cx="210960" cy="211320"/>
+          </a:xfrm>
+          <a:prstGeom prst="ellipse">
+            <a:avLst/>
+          </a:prstGeom>
+          <a:solidFill>
+            <a:srgbClr val="00B050"/>
+          </a:solidFill>
+          <a:ln w="12600">
+            <a:solidFill>
+              <a:schemeClr val="accent3"/>
+            </a:solidFill>
+            <a:round/>
+          </a:ln>
+        </p:spPr>
+        <p:style>
+          <a:lnRef idx="2">
+            <a:schemeClr val="accent1">
+              <a:shade val="50000"/>
+            </a:schemeClr>
+          </a:lnRef>
+          <a:fillRef idx="1">
+            <a:schemeClr val="accent1"/>
+          </a:fillRef>
+          <a:effectRef idx="0">
+            <a:schemeClr val="accent1"/>
+          </a:effectRef>
+          <a:fontRef idx="minor"/>
+        </p:style>
+      </p:sp>
+      <p:sp>
+        <p:nvSpPr>
+          <p:cNvPr id="245" name="CustomShape 10"/>
+          <p:cNvSpPr/>
+          <p:nvPr/>
+        </p:nvSpPr>
+        <p:spPr>
+          <a:xfrm>
+            <a:off x="10852560" y="576360"/>
+            <a:ext cx="899280" cy="179640"/>
+          </a:xfrm>
+          <a:prstGeom prst="rect">
+            <a:avLst/>
+          </a:prstGeom>
+          <a:noFill/>
+          <a:ln w="12600">
+            <a:noFill/>
+          </a:ln>
+        </p:spPr>
+        <p:style>
+          <a:lnRef idx="2">
+            <a:schemeClr val="accent4"/>
+          </a:lnRef>
+          <a:fillRef idx="1">
+            <a:schemeClr val="lt1"/>
+          </a:fillRef>
+          <a:effectRef idx="0">
+            <a:schemeClr val="accent4"/>
+          </a:effectRef>
+          <a:fontRef idx="minor"/>
+        </p:style>
+        <p:txBody>
+          <a:bodyPr wrap="none" lIns="52920" tIns="52920" rIns="52920" bIns="0" anchor="b">
+            <a:noAutofit/>
+          </a:bodyPr>
+          <a:lstStyle/>
+          <a:p>
+            <a:pPr algn="ctr">
+              <a:lnSpc>
+                <a:spcPct val="100000"/>
+              </a:lnSpc>
+            </a:pPr>
+            <a:r>
+              <a:rPr lang="pt-BR" sz="1180" b="0" strike="noStrike" spc="-1" dirty="0">
+                <a:solidFill>
+                  <a:srgbClr val="000000"/>
+                </a:solidFill>
+                <a:latin typeface="Simplon BP Bold"/>
+              </a:rPr>
+              <a:t>Plataforma</a:t>
+            </a:r>
+            <a:endParaRPr lang="pt-BR" sz="1180" b="0" strike="noStrike" spc="-1" dirty="0">
+              <a:latin typeface="Arial"/>
+            </a:endParaRPr>
+          </a:p>
+        </p:txBody>
+      </p:sp>
+      <p:sp>
+        <p:nvSpPr>
+          <p:cNvPr id="246" name="CustomShape 11"/>
+          <p:cNvSpPr/>
+          <p:nvPr/>
+        </p:nvSpPr>
+        <p:spPr>
+          <a:xfrm>
+            <a:off x="9854280" y="576360"/>
+            <a:ext cx="899280" cy="179640"/>
+          </a:xfrm>
+          <a:prstGeom prst="rect">
+            <a:avLst/>
+          </a:prstGeom>
+          <a:noFill/>
+          <a:ln w="12600">
+            <a:noFill/>
+          </a:ln>
+        </p:spPr>
+        <p:style>
+          <a:lnRef idx="2">
+            <a:schemeClr val="accent4"/>
+          </a:lnRef>
+          <a:fillRef idx="1">
+            <a:schemeClr val="lt1"/>
+          </a:fillRef>
+          <a:effectRef idx="0">
+            <a:schemeClr val="accent4"/>
+          </a:effectRef>
+          <a:fontRef idx="minor"/>
+        </p:style>
+        <p:txBody>
+          <a:bodyPr wrap="none" lIns="52920" tIns="52920" rIns="52920" bIns="0" anchor="b">
+            <a:noAutofit/>
+          </a:bodyPr>
+          <a:lstStyle/>
+          <a:p>
+            <a:pPr algn="ctr">
+              <a:lnSpc>
+                <a:spcPct val="100000"/>
+              </a:lnSpc>
+            </a:pPr>
+            <a:r>
+              <a:rPr lang="pt-BR" sz="1180" b="0" strike="noStrike" spc="-1" dirty="0">
+                <a:solidFill>
+                  <a:srgbClr val="000000"/>
+                </a:solidFill>
+                <a:latin typeface="Simplon BP Bold"/>
+              </a:rPr>
+              <a:t>Back</a:t>
+            </a:r>
+            <a:endParaRPr lang="pt-BR" sz="1180" b="0" strike="noStrike" spc="-1" dirty="0">
+              <a:latin typeface="Arial"/>
+            </a:endParaRPr>
+          </a:p>
+        </p:txBody>
+      </p:sp>
+      <p:sp>
+        <p:nvSpPr>
+          <p:cNvPr id="247" name="CustomShape 12"/>
+          <p:cNvSpPr/>
+          <p:nvPr/>
+        </p:nvSpPr>
+        <p:spPr>
+          <a:xfrm>
+            <a:off x="8934120" y="576360"/>
+            <a:ext cx="899280" cy="179640"/>
+          </a:xfrm>
+          <a:prstGeom prst="rect">
+            <a:avLst/>
+          </a:prstGeom>
+          <a:noFill/>
+          <a:ln w="12600">
+            <a:noFill/>
+          </a:ln>
+        </p:spPr>
+        <p:style>
+          <a:lnRef idx="2">
+            <a:schemeClr val="accent4"/>
+          </a:lnRef>
+          <a:fillRef idx="1">
+            <a:schemeClr val="lt1"/>
+          </a:fillRef>
+          <a:effectRef idx="0">
+            <a:schemeClr val="accent4"/>
+          </a:effectRef>
+          <a:fontRef idx="minor"/>
+        </p:style>
+        <p:txBody>
+          <a:bodyPr wrap="none" lIns="52920" tIns="52920" rIns="52920" bIns="0" anchor="b">
+            <a:noAutofit/>
+          </a:bodyPr>
+          <a:lstStyle/>
+          <a:p>
+            <a:pPr algn="ctr">
+              <a:lnSpc>
+                <a:spcPct val="100000"/>
+              </a:lnSpc>
+            </a:pPr>
+            <a:r>
+              <a:rPr lang="pt-BR" sz="1180" b="0" strike="noStrike" spc="-1" dirty="0">
+                <a:solidFill>
+                  <a:srgbClr val="000000"/>
+                </a:solidFill>
+                <a:latin typeface="Simplon BP Bold"/>
+              </a:rPr>
+              <a:t>Front</a:t>
+            </a:r>
+            <a:endParaRPr lang="pt-BR" sz="1180" b="0" strike="noStrike" spc="-1" dirty="0">
+              <a:latin typeface="Arial"/>
+            </a:endParaRPr>
+          </a:p>
+        </p:txBody>
+      </p:sp>
+      <p:sp>
+        <p:nvSpPr>
+          <p:cNvPr id="248" name="CustomShape 13"/>
+          <p:cNvSpPr/>
+          <p:nvPr/>
+        </p:nvSpPr>
+        <p:spPr>
+          <a:xfrm>
+            <a:off x="8443440" y="282600"/>
+            <a:ext cx="210960" cy="211320"/>
+          </a:xfrm>
+          <a:prstGeom prst="ellipse">
+            <a:avLst/>
+          </a:prstGeom>
+          <a:solidFill>
+            <a:srgbClr val="00B050"/>
+          </a:solidFill>
+          <a:ln w="12600">
+            <a:solidFill>
+              <a:schemeClr val="accent3"/>
+            </a:solidFill>
+            <a:round/>
+          </a:ln>
+        </p:spPr>
+        <p:style>
+          <a:lnRef idx="2">
+            <a:schemeClr val="accent1">
+              <a:shade val="50000"/>
+            </a:schemeClr>
+          </a:lnRef>
+          <a:fillRef idx="1">
+            <a:schemeClr val="accent1"/>
+          </a:fillRef>
+          <a:effectRef idx="0">
+            <a:schemeClr val="accent1"/>
+          </a:effectRef>
+          <a:fontRef idx="minor"/>
+        </p:style>
+      </p:sp>
+      <p:sp>
+        <p:nvSpPr>
+          <p:cNvPr id="249" name="CustomShape 14"/>
+          <p:cNvSpPr/>
+          <p:nvPr/>
+        </p:nvSpPr>
+        <p:spPr>
+          <a:xfrm>
+            <a:off x="8125920" y="576360"/>
+            <a:ext cx="899280" cy="179640"/>
+          </a:xfrm>
+          <a:prstGeom prst="rect">
+            <a:avLst/>
+          </a:prstGeom>
+          <a:noFill/>
+          <a:ln w="12600">
+            <a:noFill/>
+          </a:ln>
+        </p:spPr>
+        <p:style>
+          <a:lnRef idx="2">
+            <a:schemeClr val="accent4"/>
+          </a:lnRef>
+          <a:fillRef idx="1">
+            <a:schemeClr val="lt1"/>
+          </a:fillRef>
+          <a:effectRef idx="0">
+            <a:schemeClr val="accent4"/>
+          </a:effectRef>
+          <a:fontRef idx="minor"/>
+        </p:style>
+        <p:txBody>
+          <a:bodyPr wrap="none" lIns="52920" tIns="52920" rIns="52920" bIns="0" anchor="b">
+            <a:noAutofit/>
+          </a:bodyPr>
+          <a:lstStyle/>
+          <a:p>
+            <a:pPr algn="ctr">
+              <a:lnSpc>
+                <a:spcPct val="100000"/>
+              </a:lnSpc>
+            </a:pPr>
+            <a:r>
+              <a:rPr lang="en-US" sz="1180" b="0" strike="noStrike" spc="-1" dirty="0" err="1">
+                <a:solidFill>
+                  <a:srgbClr val="000000"/>
+                </a:solidFill>
+                <a:latin typeface="Simplon BP Bold"/>
+              </a:rPr>
+              <a:t>Equipe</a:t>
+            </a:r>
+            <a:endParaRPr lang="pt-BR" sz="1180" b="0" strike="noStrike" spc="-1" dirty="0" err="1">
+              <a:latin typeface="Arial"/>
+            </a:endParaRPr>
+          </a:p>
+        </p:txBody>
+      </p:sp>
+      <p:sp>
+        <p:nvSpPr>
+          <p:cNvPr id="250" name="CustomShape 15"/>
+          <p:cNvSpPr/>
+          <p:nvPr/>
+        </p:nvSpPr>
+        <p:spPr>
+          <a:xfrm>
+            <a:off x="9226080" y="282600"/>
+            <a:ext cx="210960" cy="211320"/>
+          </a:xfrm>
+          <a:prstGeom prst="ellipse">
+            <a:avLst/>
+          </a:prstGeom>
+          <a:solidFill>
+            <a:srgbClr val="00B050"/>
+          </a:solidFill>
+          <a:ln w="12600">
+            <a:solidFill>
+              <a:schemeClr val="accent3"/>
+            </a:solidFill>
+            <a:round/>
+          </a:ln>
+        </p:spPr>
+        <p:style>
+          <a:lnRef idx="2">
+            <a:schemeClr val="accent1">
+              <a:shade val="50000"/>
+            </a:schemeClr>
+          </a:lnRef>
+          <a:fillRef idx="1">
+            <a:schemeClr val="accent1"/>
+          </a:fillRef>
+          <a:effectRef idx="0">
+            <a:schemeClr val="accent1"/>
+          </a:effectRef>
+          <a:fontRef idx="minor"/>
+        </p:style>
+      </p:sp>
+      <p:sp>
+        <p:nvSpPr>
+          <p:cNvPr id="251" name="CustomShape 16"/>
+          <p:cNvSpPr/>
+          <p:nvPr/>
+        </p:nvSpPr>
+        <p:spPr>
+          <a:xfrm>
+            <a:off x="12156120" y="278640"/>
+            <a:ext cx="210960" cy="211320"/>
+          </a:xfrm>
+          <a:prstGeom prst="ellipse">
+            <a:avLst/>
+          </a:prstGeom>
+          <a:solidFill>
+            <a:srgbClr val="00B050"/>
+          </a:solidFill>
+          <a:ln w="12600">
+            <a:solidFill>
+              <a:schemeClr val="accent3"/>
+            </a:solidFill>
+            <a:round/>
+          </a:ln>
+        </p:spPr>
+        <p:style>
+          <a:lnRef idx="2">
+            <a:schemeClr val="accent1">
+              <a:shade val="50000"/>
+            </a:schemeClr>
+          </a:lnRef>
+          <a:fillRef idx="1">
+            <a:schemeClr val="accent1"/>
+          </a:fillRef>
+          <a:effectRef idx="0">
+            <a:schemeClr val="accent1"/>
+          </a:effectRef>
+          <a:fontRef idx="minor"/>
+        </p:style>
+      </p:sp>
+      <p:sp>
+        <p:nvSpPr>
+          <p:cNvPr id="252" name="CustomShape 17"/>
+          <p:cNvSpPr/>
+          <p:nvPr/>
+        </p:nvSpPr>
+        <p:spPr>
+          <a:xfrm>
+            <a:off x="10188000" y="288360"/>
+            <a:ext cx="210960" cy="211320"/>
+          </a:xfrm>
+          <a:prstGeom prst="ellipse">
+            <a:avLst/>
+          </a:prstGeom>
+          <a:solidFill>
+            <a:srgbClr val="00B050"/>
+          </a:solidFill>
+          <a:ln w="12600">
+            <a:solidFill>
+              <a:schemeClr val="accent3"/>
+            </a:solidFill>
+            <a:round/>
+          </a:ln>
+        </p:spPr>
+        <p:style>
+          <a:lnRef idx="2">
+            <a:schemeClr val="accent1">
+              <a:shade val="50000"/>
+            </a:schemeClr>
+          </a:lnRef>
+          <a:fillRef idx="1">
+            <a:schemeClr val="accent1"/>
+          </a:fillRef>
+          <a:effectRef idx="0">
+            <a:schemeClr val="accent1"/>
+          </a:effectRef>
+          <a:fontRef idx="minor"/>
+        </p:style>
+      </p:sp>
+      <p:sp>
+        <p:nvSpPr>
+          <p:cNvPr id="253" name="CustomShape 18"/>
+          <p:cNvSpPr/>
+          <p:nvPr/>
+        </p:nvSpPr>
+        <p:spPr>
+          <a:xfrm>
+            <a:off x="8017560" y="180360"/>
+            <a:ext cx="4937400" cy="618480"/>
+          </a:xfrm>
+          <a:prstGeom prst="rect">
+            <a:avLst/>
+          </a:prstGeom>
+          <a:noFill/>
+          <a:ln w="6480">
+            <a:solidFill>
+              <a:schemeClr val="bg1">
+                <a:lumMod val="75000"/>
+              </a:schemeClr>
+            </a:solidFill>
+            <a:round/>
+          </a:ln>
+        </p:spPr>
+        <p:style>
+          <a:lnRef idx="2">
+            <a:schemeClr val="accent1">
+              <a:shade val="50000"/>
+            </a:schemeClr>
+          </a:lnRef>
+          <a:fillRef idx="1">
+            <a:schemeClr val="accent1"/>
+          </a:fillRef>
+          <a:effectRef idx="0">
+            <a:schemeClr val="accent1"/>
+          </a:effectRef>
+          <a:fontRef idx="minor"/>
+        </p:style>
+      </p:sp>
+      <p:sp>
+        <p:nvSpPr>
+          <p:cNvPr id="254" name="CustomShape 19"/>
+          <p:cNvSpPr/>
+          <p:nvPr/>
+        </p:nvSpPr>
+        <p:spPr>
+          <a:xfrm>
+            <a:off x="9554400" y="40680"/>
+            <a:ext cx="1477800" cy="211320"/>
+          </a:xfrm>
+          <a:prstGeom prst="rect">
+            <a:avLst/>
+          </a:prstGeom>
+          <a:solidFill>
+            <a:schemeClr val="bg1"/>
+          </a:solidFill>
+          <a:ln w="12600">
+            <a:noFill/>
+          </a:ln>
+        </p:spPr>
+        <p:style>
+          <a:lnRef idx="2">
+            <a:schemeClr val="accent4"/>
+          </a:lnRef>
+          <a:fillRef idx="1">
+            <a:schemeClr val="lt1"/>
+          </a:fillRef>
+          <a:effectRef idx="0">
+            <a:schemeClr val="accent4"/>
+          </a:effectRef>
+          <a:fontRef idx="minor"/>
+        </p:style>
+        <p:txBody>
+          <a:bodyPr wrap="none" lIns="52920" tIns="52920" rIns="52920" bIns="0" anchor="b">
+            <a:noAutofit/>
+          </a:bodyPr>
+          <a:lstStyle/>
+          <a:p>
+            <a:pPr algn="ctr">
+              <a:lnSpc>
+                <a:spcPct val="100000"/>
+              </a:lnSpc>
+            </a:pPr>
+            <a:r>
+              <a:rPr lang="en-US" sz="1180" b="0" strike="noStrike" spc="-1" dirty="0">
+                <a:solidFill>
+                  <a:srgbClr val="000000"/>
+                </a:solidFill>
+                <a:latin typeface="Simplon BP Bold"/>
+              </a:rPr>
+              <a:t>    Farol do </a:t>
+            </a:r>
+            <a:r>
+              <a:rPr lang="en-US" sz="1180" b="0" strike="noStrike" spc="-1" dirty="0" err="1">
+                <a:solidFill>
+                  <a:srgbClr val="000000"/>
+                </a:solidFill>
+                <a:latin typeface="Simplon BP Bold"/>
+              </a:rPr>
+              <a:t>Projeto</a:t>
+            </a:r>
+            <a:r>
+              <a:rPr lang="en-US" sz="1180" b="0" strike="noStrike" spc="-1" dirty="0">
+                <a:solidFill>
+                  <a:srgbClr val="000000"/>
+                </a:solidFill>
+                <a:latin typeface="Simplon BP Bold"/>
+              </a:rPr>
+              <a:t>   </a:t>
+            </a:r>
+            <a:endParaRPr lang="pt-BR" sz="1180" b="0" strike="noStrike" spc="-1" dirty="0">
+              <a:latin typeface="Arial"/>
+            </a:endParaRPr>
+          </a:p>
+        </p:txBody>
+      </p:sp>
+      <p:sp>
+        <p:nvSpPr>
+          <p:cNvPr id="21" name="CustomShape 6"/>
+          <p:cNvSpPr/>
+          <p:nvPr/>
+        </p:nvSpPr>
+        <p:spPr>
+          <a:xfrm>
+            <a:off x="3636000" y="1084320"/>
+            <a:ext cx="3027960" cy="2235600"/>
+          </a:xfrm>
+          <a:prstGeom prst="rect">
+            <a:avLst/>
+          </a:prstGeom>
+          <a:noFill/>
+          <a:ln w="12600">
+            <a:solidFill>
+              <a:schemeClr val="bg1">
+                <a:lumMod val="50000"/>
+              </a:schemeClr>
+            </a:solidFill>
+            <a:round/>
+          </a:ln>
+        </p:spPr>
+        <p:style>
+          <a:lnRef idx="2">
+            <a:schemeClr val="accent4"/>
+          </a:lnRef>
+          <a:fillRef idx="1">
+            <a:schemeClr val="lt1"/>
+          </a:fillRef>
+          <a:effectRef idx="0">
+            <a:schemeClr val="accent4"/>
+          </a:effectRef>
+          <a:fontRef idx="minor"/>
+        </p:style>
+        <p:txBody>
+          <a:bodyPr lIns="90000" tIns="105840" rIns="90000" bIns="45000" anchor="t">
+            <a:noAutofit/>
+          </a:bodyPr>
+          <a:lstStyle/>
+          <a:p>
+            <a:pPr marL="251460" indent="-251460">
+              <a:buClr>
+                <a:srgbClr val="000000"/>
+              </a:buClr>
+              <a:buFont typeface="Wingdings" charset="2"/>
+              <a:buChar char=""/>
+            </a:pPr>
+            <a:r>
+              <a:rPr lang="pt-BR" sz="1300" b="1" spc="-1" dirty="0" smtClean="0">
+                <a:latin typeface="Calibri" panose="020F0502020204030204" pitchFamily="34" charset="0"/>
+                <a:cs typeface="Calibri" panose="020F0502020204030204" pitchFamily="34" charset="0"/>
+              </a:rPr>
+              <a:t>Segundo passo do cadastro contratada/contratante</a:t>
+            </a:r>
+          </a:p>
+          <a:p>
+            <a:pPr marL="251460" indent="-251460">
+              <a:buClr>
+                <a:srgbClr val="000000"/>
+              </a:buClr>
+              <a:buFont typeface="Wingdings" charset="2"/>
+              <a:buChar char=""/>
+            </a:pPr>
+            <a:r>
+              <a:rPr lang="pt-BR" sz="1300" b="1" spc="-1" dirty="0" smtClean="0">
+                <a:latin typeface="Calibri" panose="020F0502020204030204" pitchFamily="34" charset="0"/>
+                <a:cs typeface="Calibri" panose="020F0502020204030204" pitchFamily="34" charset="0"/>
+              </a:rPr>
+              <a:t>Tela cadastro de endereço no </a:t>
+            </a:r>
+            <a:r>
+              <a:rPr lang="pt-BR" sz="1300" b="1" spc="-1" dirty="0" err="1" smtClean="0">
+                <a:latin typeface="Calibri" panose="020F0502020204030204" pitchFamily="34" charset="0"/>
+                <a:cs typeface="Calibri" panose="020F0502020204030204" pitchFamily="34" charset="0"/>
+              </a:rPr>
+              <a:t>figma</a:t>
+            </a:r>
+            <a:endParaRPr lang="pt-BR" sz="1300" b="1" spc="-1" dirty="0" smtClean="0">
+              <a:latin typeface="Calibri" panose="020F0502020204030204" pitchFamily="34" charset="0"/>
+              <a:cs typeface="Calibri" panose="020F0502020204030204" pitchFamily="34" charset="0"/>
+            </a:endParaRPr>
+          </a:p>
+          <a:p>
+            <a:pPr marL="251460" indent="-251460">
+              <a:buClr>
+                <a:srgbClr val="000000"/>
+              </a:buClr>
+              <a:buFont typeface="Wingdings" charset="2"/>
+              <a:buChar char=""/>
+            </a:pPr>
+            <a:r>
+              <a:rPr lang="pt-BR" sz="1300" b="1" spc="-1" dirty="0" smtClean="0">
+                <a:latin typeface="Calibri" panose="020F0502020204030204" pitchFamily="34" charset="0"/>
+                <a:cs typeface="Calibri" panose="020F0502020204030204" pitchFamily="34" charset="0"/>
+              </a:rPr>
+              <a:t>Mudança de escopo para contratar na redondeza</a:t>
+            </a:r>
+          </a:p>
+          <a:p>
+            <a:pPr>
+              <a:buClr>
+                <a:srgbClr val="000000"/>
+              </a:buClr>
+            </a:pPr>
+            <a:endParaRPr lang="pt-BR" sz="1300" spc="-1" dirty="0">
+              <a:latin typeface="Arial"/>
+              <a:cs typeface="Arial"/>
+            </a:endParaRPr>
+          </a:p>
+          <a:p>
+            <a:pPr>
+              <a:buClr>
+                <a:srgbClr val="000000"/>
+              </a:buClr>
+            </a:pPr>
+            <a:endParaRPr lang="pt-BR" sz="1300" spc="-1" dirty="0">
+              <a:latin typeface="Arial"/>
+            </a:endParaRPr>
+          </a:p>
+        </p:txBody>
+      </p:sp>
+    </p:spTree>
+    <p:extLst>
+      <p:ext uri="{BB962C8B-B14F-4D97-AF65-F5344CB8AC3E}">
+        <p14:creationId xmlns:p14="http://schemas.microsoft.com/office/powerpoint/2010/main" val="2656863573"/>
       </p:ext>
     </p:extLst>
   </p:cSld>
